--- a/Oscar Award API.pptx
+++ b/Oscar Award API.pptx
@@ -116,6 +116,11 @@
       </a:defRPr>
     </a:lvl9pPr>
   </p:defaultTextStyle>
+  <p:extLst>
+    <p:ext uri="{EFAFB233-063F-42B5-8137-9DF3F51BA10A}">
+      <p15:sldGuideLst xmlns:p15="http://schemas.microsoft.com/office/powerpoint/2012/main"/>
+    </p:ext>
+  </p:extLst>
 </p:presentation>
 </file>
 
@@ -6172,13 +6177,13 @@
   <p:clrMapOvr>
     <a:masterClrMapping/>
   </p:clrMapOvr>
-  <mc:AlternateContent xmlns:mc="http://schemas.openxmlformats.org/markup-compatibility/2006">
-    <mc:Choice xmlns:p159="http://schemas.microsoft.com/office/powerpoint/2015/09/main" Requires="p159">
+  <mc:AlternateContent xmlns:mc="http://schemas.openxmlformats.org/markup-compatibility/2006" xmlns:p159="http://schemas.microsoft.com/office/powerpoint/2015/09/main">
+    <mc:Choice Requires="p159">
       <p:transition xmlns:p14="http://schemas.microsoft.com/office/powerpoint/2010/main" spd="slow" p14:dur="2000">
         <p159:morph option="byObject"/>
       </p:transition>
     </mc:Choice>
-    <mc:Fallback>
+    <mc:Fallback xmlns="">
       <p:transition spd="slow">
         <p:fade/>
       </p:transition>
@@ -6294,13 +6299,13 @@
   <p:clrMapOvr>
     <a:masterClrMapping/>
   </p:clrMapOvr>
-  <mc:AlternateContent xmlns:mc="http://schemas.openxmlformats.org/markup-compatibility/2006">
-    <mc:Choice xmlns:p159="http://schemas.microsoft.com/office/powerpoint/2015/09/main" Requires="p159">
+  <mc:AlternateContent xmlns:mc="http://schemas.openxmlformats.org/markup-compatibility/2006" xmlns:p159="http://schemas.microsoft.com/office/powerpoint/2015/09/main">
+    <mc:Choice Requires="p159">
       <p:transition xmlns:p14="http://schemas.microsoft.com/office/powerpoint/2010/main" spd="slow" p14:dur="2000">
         <p159:morph option="byObject"/>
       </p:transition>
     </mc:Choice>
-    <mc:Fallback>
+    <mc:Fallback xmlns="">
       <p:transition spd="slow">
         <p:fade/>
       </p:transition>
@@ -6389,13 +6394,13 @@
   <p:clrMapOvr>
     <a:masterClrMapping/>
   </p:clrMapOvr>
-  <mc:AlternateContent xmlns:mc="http://schemas.openxmlformats.org/markup-compatibility/2006">
-    <mc:Choice xmlns:p159="http://schemas.microsoft.com/office/powerpoint/2015/09/main" Requires="p159">
+  <mc:AlternateContent xmlns:mc="http://schemas.openxmlformats.org/markup-compatibility/2006" xmlns:p159="http://schemas.microsoft.com/office/powerpoint/2015/09/main">
+    <mc:Choice Requires="p159">
       <p:transition xmlns:p14="http://schemas.microsoft.com/office/powerpoint/2010/main" spd="slow" p14:dur="2000">
         <p159:morph option="byObject"/>
       </p:transition>
     </mc:Choice>
-    <mc:Fallback>
+    <mc:Fallback xmlns="">
       <p:transition spd="slow">
         <p:fade/>
       </p:transition>
@@ -6481,6 +6486,30 @@
               <a:t>Instead, we made a quick ‘proof-of-concept’ within Eclipse.</a:t>
             </a:r>
           </a:p>
+          <a:p>
+            <a:r>
+              <a:rPr lang="en-US" dirty="0"/>
+              <a:t>Client takes in user input</a:t>
+            </a:r>
+          </a:p>
+          <a:p>
+            <a:r>
+              <a:rPr lang="en-US" dirty="0"/>
+              <a:t>Then, transforms user input into an API call</a:t>
+            </a:r>
+          </a:p>
+          <a:p>
+            <a:r>
+              <a:rPr lang="en-US" dirty="0"/>
+              <a:t>Makes the API call, and reads the result</a:t>
+            </a:r>
+          </a:p>
+          <a:p>
+            <a:r>
+              <a:rPr lang="en-US" dirty="0"/>
+              <a:t>Translates JSON</a:t>
+            </a:r>
+          </a:p>
         </p:txBody>
       </p:sp>
     </p:spTree>
@@ -6493,13 +6522,13 @@
   <p:clrMapOvr>
     <a:masterClrMapping/>
   </p:clrMapOvr>
-  <mc:AlternateContent xmlns:mc="http://schemas.openxmlformats.org/markup-compatibility/2006">
-    <mc:Choice xmlns:p159="http://schemas.microsoft.com/office/powerpoint/2015/09/main" Requires="p159">
+  <mc:AlternateContent xmlns:mc="http://schemas.openxmlformats.org/markup-compatibility/2006" xmlns:p159="http://schemas.microsoft.com/office/powerpoint/2015/09/main">
+    <mc:Choice Requires="p159">
       <p:transition xmlns:p14="http://schemas.microsoft.com/office/powerpoint/2010/main" spd="slow" p14:dur="2000">
         <p159:morph option="byObject"/>
       </p:transition>
     </mc:Choice>
-    <mc:Fallback>
+    <mc:Fallback xmlns="">
       <p:transition spd="slow">
         <p:fade/>
       </p:transition>
@@ -6574,7 +6603,14 @@
           <a:bodyPr/>
           <a:lstStyle/>
           <a:p>
-            <a:endParaRPr lang="en-US"/>
+            <a:r>
+              <a:rPr lang="en-US" dirty="0" err="1"/>
+              <a:t>WireFrame</a:t>
+            </a:r>
+            <a:r>
+              <a:rPr lang="en-US" dirty="0"/>
+              <a:t> and Java Project</a:t>
+            </a:r>
           </a:p>
         </p:txBody>
       </p:sp>
@@ -6588,13 +6624,13 @@
   <p:clrMapOvr>
     <a:masterClrMapping/>
   </p:clrMapOvr>
-  <mc:AlternateContent xmlns:mc="http://schemas.openxmlformats.org/markup-compatibility/2006">
-    <mc:Choice xmlns:p159="http://schemas.microsoft.com/office/powerpoint/2015/09/main" Requires="p159">
+  <mc:AlternateContent xmlns:mc="http://schemas.openxmlformats.org/markup-compatibility/2006" xmlns:p159="http://schemas.microsoft.com/office/powerpoint/2015/09/main">
+    <mc:Choice Requires="p159">
       <p:transition xmlns:p14="http://schemas.microsoft.com/office/powerpoint/2010/main" spd="slow" p14:dur="2000">
         <p159:morph option="byObject"/>
       </p:transition>
     </mc:Choice>
-    <mc:Fallback>
+    <mc:Fallback xmlns="">
       <p:transition spd="slow">
         <p:fade/>
       </p:transition>
@@ -6726,13 +6762,13 @@
   <p:clrMapOvr>
     <a:masterClrMapping/>
   </p:clrMapOvr>
-  <mc:AlternateContent xmlns:mc="http://schemas.openxmlformats.org/markup-compatibility/2006">
-    <mc:Choice xmlns:p159="http://schemas.microsoft.com/office/powerpoint/2015/09/main" Requires="p159">
+  <mc:AlternateContent xmlns:mc="http://schemas.openxmlformats.org/markup-compatibility/2006" xmlns:p159="http://schemas.microsoft.com/office/powerpoint/2015/09/main">
+    <mc:Choice Requires="p159">
       <p:transition xmlns:p14="http://schemas.microsoft.com/office/powerpoint/2010/main" spd="slow" p14:dur="2000">
         <p159:morph option="byObject"/>
       </p:transition>
     </mc:Choice>
-    <mc:Fallback>
+    <mc:Fallback xmlns="">
       <p:transition spd="slow">
         <p:fade/>
       </p:transition>
@@ -6863,13 +6899,13 @@
   <p:clrMapOvr>
     <a:masterClrMapping/>
   </p:clrMapOvr>
-  <mc:AlternateContent xmlns:mc="http://schemas.openxmlformats.org/markup-compatibility/2006">
-    <mc:Choice xmlns:p159="http://schemas.microsoft.com/office/powerpoint/2015/09/main" Requires="p159">
+  <mc:AlternateContent xmlns:mc="http://schemas.openxmlformats.org/markup-compatibility/2006" xmlns:p159="http://schemas.microsoft.com/office/powerpoint/2015/09/main">
+    <mc:Choice Requires="p159">
       <p:transition xmlns:p14="http://schemas.microsoft.com/office/powerpoint/2010/main" spd="slow" p14:dur="2000">
         <p159:morph option="byObject"/>
       </p:transition>
     </mc:Choice>
-    <mc:Fallback>
+    <mc:Fallback xmlns="">
       <p:transition spd="slow">
         <p:fade/>
       </p:transition>
@@ -7003,13 +7039,13 @@
   <p:clrMapOvr>
     <a:masterClrMapping/>
   </p:clrMapOvr>
-  <mc:AlternateContent xmlns:mc="http://schemas.openxmlformats.org/markup-compatibility/2006">
-    <mc:Choice xmlns:p159="http://schemas.microsoft.com/office/powerpoint/2015/09/main" Requires="p159">
+  <mc:AlternateContent xmlns:mc="http://schemas.openxmlformats.org/markup-compatibility/2006" xmlns:p159="http://schemas.microsoft.com/office/powerpoint/2015/09/main">
+    <mc:Choice Requires="p159">
       <p:transition xmlns:p14="http://schemas.microsoft.com/office/powerpoint/2010/main" spd="slow" p14:dur="2000">
         <p159:morph option="byObject"/>
       </p:transition>
     </mc:Choice>
-    <mc:Fallback>
+    <mc:Fallback xmlns="">
       <p:transition spd="slow">
         <p:fade/>
       </p:transition>
@@ -7101,13 +7137,13 @@
   <p:clrMapOvr>
     <a:masterClrMapping/>
   </p:clrMapOvr>
-  <mc:AlternateContent xmlns:mc="http://schemas.openxmlformats.org/markup-compatibility/2006">
-    <mc:Choice xmlns:p159="http://schemas.microsoft.com/office/powerpoint/2015/09/main" Requires="p159">
+  <mc:AlternateContent xmlns:mc="http://schemas.openxmlformats.org/markup-compatibility/2006" xmlns:p159="http://schemas.microsoft.com/office/powerpoint/2015/09/main">
+    <mc:Choice Requires="p159">
       <p:transition xmlns:p14="http://schemas.microsoft.com/office/powerpoint/2010/main" spd="slow" p14:dur="2000">
         <p159:morph option="byObject"/>
       </p:transition>
     </mc:Choice>
-    <mc:Fallback>
+    <mc:Fallback xmlns="">
       <p:transition spd="slow">
         <p:fade/>
       </p:transition>
@@ -7192,6 +7228,13 @@
           <a:p>
             <a:pPr lvl="1"/>
             <a:r>
+              <a:rPr lang="en-US" dirty="0"/>
+              <a:t>Flying Donut</a:t>
+            </a:r>
+          </a:p>
+          <a:p>
+            <a:pPr lvl="1"/>
+            <a:r>
               <a:rPr lang="en-US" dirty="0" err="1"/>
               <a:t>Github</a:t>
             </a:r>
@@ -7248,13 +7291,13 @@
   <p:clrMapOvr>
     <a:masterClrMapping/>
   </p:clrMapOvr>
-  <mc:AlternateContent xmlns:mc="http://schemas.openxmlformats.org/markup-compatibility/2006">
-    <mc:Choice xmlns:p159="http://schemas.microsoft.com/office/powerpoint/2015/09/main" Requires="p159">
+  <mc:AlternateContent xmlns:mc="http://schemas.openxmlformats.org/markup-compatibility/2006" xmlns:p159="http://schemas.microsoft.com/office/powerpoint/2015/09/main">
+    <mc:Choice Requires="p159">
       <p:transition xmlns:p14="http://schemas.microsoft.com/office/powerpoint/2010/main" spd="slow" p14:dur="2000">
         <p159:morph option="byObject"/>
       </p:transition>
     </mc:Choice>
-    <mc:Fallback>
+    <mc:Fallback xmlns="">
       <p:transition spd="slow">
         <p:fade/>
       </p:transition>
@@ -7367,13 +7410,13 @@
   <p:clrMapOvr>
     <a:masterClrMapping/>
   </p:clrMapOvr>
-  <mc:AlternateContent xmlns:mc="http://schemas.openxmlformats.org/markup-compatibility/2006">
-    <mc:Choice xmlns:p159="http://schemas.microsoft.com/office/powerpoint/2015/09/main" Requires="p159">
+  <mc:AlternateContent xmlns:mc="http://schemas.openxmlformats.org/markup-compatibility/2006" xmlns:p159="http://schemas.microsoft.com/office/powerpoint/2015/09/main">
+    <mc:Choice Requires="p159">
       <p:transition xmlns:p14="http://schemas.microsoft.com/office/powerpoint/2010/main" spd="slow" p14:dur="2000">
         <p159:morph option="byObject"/>
       </p:transition>
     </mc:Choice>
-    <mc:Fallback>
+    <mc:Fallback xmlns="">
       <p:transition spd="slow">
         <p:fade/>
       </p:transition>
@@ -7511,13 +7554,13 @@
   <p:clrMapOvr>
     <a:masterClrMapping/>
   </p:clrMapOvr>
-  <mc:AlternateContent xmlns:mc="http://schemas.openxmlformats.org/markup-compatibility/2006">
-    <mc:Choice xmlns:p159="http://schemas.microsoft.com/office/powerpoint/2015/09/main" Requires="p159">
+  <mc:AlternateContent xmlns:mc="http://schemas.openxmlformats.org/markup-compatibility/2006" xmlns:p159="http://schemas.microsoft.com/office/powerpoint/2015/09/main">
+    <mc:Choice Requires="p159">
       <p:transition xmlns:p14="http://schemas.microsoft.com/office/powerpoint/2010/main" spd="slow" p14:dur="2000">
         <p159:morph option="byObject"/>
       </p:transition>
     </mc:Choice>
-    <mc:Fallback>
+    <mc:Fallback xmlns="">
       <p:transition spd="slow">
         <p:fade/>
       </p:transition>
@@ -7637,13 +7680,13 @@
   <p:clrMapOvr>
     <a:masterClrMapping/>
   </p:clrMapOvr>
-  <mc:AlternateContent xmlns:mc="http://schemas.openxmlformats.org/markup-compatibility/2006">
-    <mc:Choice xmlns:p159="http://schemas.microsoft.com/office/powerpoint/2015/09/main" Requires="p159">
+  <mc:AlternateContent xmlns:mc="http://schemas.openxmlformats.org/markup-compatibility/2006" xmlns:p159="http://schemas.microsoft.com/office/powerpoint/2015/09/main">
+    <mc:Choice Requires="p159">
       <p:transition xmlns:p14="http://schemas.microsoft.com/office/powerpoint/2010/main" spd="slow" p14:dur="2000">
         <p159:morph option="byObject"/>
       </p:transition>
     </mc:Choice>
-    <mc:Fallback>
+    <mc:Fallback xmlns="">
       <p:transition spd="slow">
         <p:fade/>
       </p:transition>
